--- a/lectures3/Pythonlearn-13-WebServices-PL.pptx
+++ b/lectures3/Pythonlearn-13-WebServices-PL.pptx
@@ -8393,7 +8393,7 @@
               <a:buNone/>
             </a:pPr>
             <a:r>
-              <a:rPr lang="pl" sz="7600" b="0" i="0" u="none" strike="noStrike" cap="none" baseline="0">
+              <a:rPr lang="pl" sz="7600" b="0" i="0" u="none" strike="noStrike" cap="none" baseline="0" dirty="0">
                 <a:solidFill>
                   <a:srgbClr val="FFD966"/>
                 </a:solidFill>
@@ -21448,7 +21448,7 @@
           </a:ln>
           <a:extLst>
             <a:ext uri="{909E8E84-426E-40dd-AFC4-6F175D3DCCD1}">
-              <a14:hiddenFill xmlns:a14="http://schemas.microsoft.com/office/drawing/2010/main" xmlns="">
+              <a14:hiddenFill xmlns="" xmlns:a14="http://schemas.microsoft.com/office/drawing/2010/main">
                 <a:solidFill>
                   <a:srgbClr val="FFFFFF"/>
                 </a:solidFill>
@@ -21532,14 +21532,14 @@
           </a:ln>
           <a:extLst>
             <a:ext uri="{909E8E84-426E-40dd-AFC4-6F175D3DCCD1}">
-              <a14:hiddenFill xmlns:a14="http://schemas.microsoft.com/office/drawing/2010/main" xmlns="">
+              <a14:hiddenFill xmlns="" xmlns:a14="http://schemas.microsoft.com/office/drawing/2010/main">
                 <a:solidFill>
                   <a:srgbClr val="FFFFFF"/>
                 </a:solidFill>
               </a14:hiddenFill>
             </a:ext>
             <a:ext uri="{91240B29-F687-4f45-9708-019B960494DF}">
-              <a14:hiddenLine xmlns:a14="http://schemas.microsoft.com/office/drawing/2010/main" xmlns="" w="9525">
+              <a14:hiddenLine xmlns="" xmlns:a14="http://schemas.microsoft.com/office/drawing/2010/main" w="9525">
                 <a:solidFill>
                   <a:srgbClr val="000000"/>
                 </a:solidFill>
@@ -21573,14 +21573,14 @@
           </a:ln>
           <a:extLst>
             <a:ext uri="{909E8E84-426E-40dd-AFC4-6F175D3DCCD1}">
-              <a14:hiddenFill xmlns:a14="http://schemas.microsoft.com/office/drawing/2010/main" xmlns="">
+              <a14:hiddenFill xmlns="" xmlns:a14="http://schemas.microsoft.com/office/drawing/2010/main">
                 <a:solidFill>
                   <a:srgbClr val="FFFFFF"/>
                 </a:solidFill>
               </a14:hiddenFill>
             </a:ext>
             <a:ext uri="{91240B29-F687-4f45-9708-019B960494DF}">
-              <a14:hiddenLine xmlns:a14="http://schemas.microsoft.com/office/drawing/2010/main" xmlns="" w="9525">
+              <a14:hiddenLine xmlns="" xmlns:a14="http://schemas.microsoft.com/office/drawing/2010/main" w="9525">
                 <a:solidFill>
                   <a:srgbClr val="000000"/>
                 </a:solidFill>
@@ -21695,7 +21695,7 @@
           </a:ln>
           <a:extLst>
             <a:ext uri="{909E8E84-426E-40dd-AFC4-6F175D3DCCD1}">
-              <a14:hiddenFill xmlns:a14="http://schemas.microsoft.com/office/drawing/2010/main" xmlns="">
+              <a14:hiddenFill xmlns="" xmlns:a14="http://schemas.microsoft.com/office/drawing/2010/main">
                 <a:solidFill>
                   <a:srgbClr val="FFFFFF"/>
                 </a:solidFill>
@@ -21771,7 +21771,7 @@
           </a:ln>
           <a:extLst>
             <a:ext uri="{909E8E84-426E-40dd-AFC4-6F175D3DCCD1}">
-              <a14:hiddenFill xmlns:a14="http://schemas.microsoft.com/office/drawing/2010/main" xmlns="">
+              <a14:hiddenFill xmlns="" xmlns:a14="http://schemas.microsoft.com/office/drawing/2010/main">
                 <a:solidFill>
                   <a:srgbClr val="FFFFFF"/>
                 </a:solidFill>
@@ -21847,7 +21847,7 @@
           </a:ln>
           <a:extLst>
             <a:ext uri="{909E8E84-426E-40dd-AFC4-6F175D3DCCD1}">
-              <a14:hiddenFill xmlns:a14="http://schemas.microsoft.com/office/drawing/2010/main" xmlns="">
+              <a14:hiddenFill xmlns="" xmlns:a14="http://schemas.microsoft.com/office/drawing/2010/main">
                 <a:solidFill>
                   <a:srgbClr val="FFFFFF"/>
                 </a:solidFill>
@@ -22558,14 +22558,14 @@
           </a:ln>
           <a:extLst>
             <a:ext uri="{909E8E84-426E-40dd-AFC4-6F175D3DCCD1}">
-              <a14:hiddenFill xmlns:a14="http://schemas.microsoft.com/office/drawing/2010/main" xmlns="">
+              <a14:hiddenFill xmlns="" xmlns:a14="http://schemas.microsoft.com/office/drawing/2010/main">
                 <a:solidFill>
                   <a:srgbClr val="FFFFFF"/>
                 </a:solidFill>
               </a14:hiddenFill>
             </a:ext>
             <a:ext uri="{91240B29-F687-4f45-9708-019B960494DF}">
-              <a14:hiddenLine xmlns:a14="http://schemas.microsoft.com/office/drawing/2010/main" xmlns="" w="9525">
+              <a14:hiddenLine xmlns="" xmlns:a14="http://schemas.microsoft.com/office/drawing/2010/main" w="9525">
                 <a:solidFill>
                   <a:srgbClr val="000000"/>
                 </a:solidFill>

--- a/lectures3/Pythonlearn-13-WebServices-PL.pptx
+++ b/lectures3/Pythonlearn-13-WebServices-PL.pptx
@@ -602,12 +602,12 @@
               <a:buNone/>
             </a:pPr>
             <a:r>
-              <a:rPr lang="pl" b="0" i="0" u="none" baseline="0">
+              <a:rPr lang="pl-PL" b="0" i="0" u="none" baseline="0">
                 <a:solidFill>
                   <a:schemeClr val="dk2"/>
                 </a:solidFill>
               </a:rPr>
-              <a:t>Notka od Chucka  Używając tych materiałów masz prawo usunąć logo UM i zastąpić je własnym ale zostaw proszę logo CC-BY na pierwszej stronie oraz strony z podziękowaniami dla współtwórców.</a:t>
+              <a:t>Notka od Chucka: używając tych materiałów masz prawo usunąć logo UM i zastąpić je własnym, ale zostaw proszę logo CC-BY na pierwszej stronie oraz strony z podziękowaniami dla współtwórców.</a:t>
             </a:r>
             <a:endParaRPr lang="pl" dirty="0">
               <a:solidFill>
@@ -21448,7 +21448,7 @@
           </a:ln>
           <a:extLst>
             <a:ext uri="{909E8E84-426E-40dd-AFC4-6F175D3DCCD1}">
-              <a14:hiddenFill xmlns="" xmlns:a14="http://schemas.microsoft.com/office/drawing/2010/main">
+              <a14:hiddenFill xmlns:a14="http://schemas.microsoft.com/office/drawing/2010/main" xmlns="">
                 <a:solidFill>
                   <a:srgbClr val="FFFFFF"/>
                 </a:solidFill>
@@ -21532,14 +21532,14 @@
           </a:ln>
           <a:extLst>
             <a:ext uri="{909E8E84-426E-40dd-AFC4-6F175D3DCCD1}">
-              <a14:hiddenFill xmlns="" xmlns:a14="http://schemas.microsoft.com/office/drawing/2010/main">
+              <a14:hiddenFill xmlns:a14="http://schemas.microsoft.com/office/drawing/2010/main" xmlns="">
                 <a:solidFill>
                   <a:srgbClr val="FFFFFF"/>
                 </a:solidFill>
               </a14:hiddenFill>
             </a:ext>
             <a:ext uri="{91240B29-F687-4f45-9708-019B960494DF}">
-              <a14:hiddenLine xmlns="" xmlns:a14="http://schemas.microsoft.com/office/drawing/2010/main" w="9525">
+              <a14:hiddenLine xmlns:a14="http://schemas.microsoft.com/office/drawing/2010/main" xmlns="" w="9525">
                 <a:solidFill>
                   <a:srgbClr val="000000"/>
                 </a:solidFill>
@@ -21573,14 +21573,14 @@
           </a:ln>
           <a:extLst>
             <a:ext uri="{909E8E84-426E-40dd-AFC4-6F175D3DCCD1}">
-              <a14:hiddenFill xmlns="" xmlns:a14="http://schemas.microsoft.com/office/drawing/2010/main">
+              <a14:hiddenFill xmlns:a14="http://schemas.microsoft.com/office/drawing/2010/main" xmlns="">
                 <a:solidFill>
                   <a:srgbClr val="FFFFFF"/>
                 </a:solidFill>
               </a14:hiddenFill>
             </a:ext>
             <a:ext uri="{91240B29-F687-4f45-9708-019B960494DF}">
-              <a14:hiddenLine xmlns="" xmlns:a14="http://schemas.microsoft.com/office/drawing/2010/main" w="9525">
+              <a14:hiddenLine xmlns:a14="http://schemas.microsoft.com/office/drawing/2010/main" xmlns="" w="9525">
                 <a:solidFill>
                   <a:srgbClr val="000000"/>
                 </a:solidFill>
@@ -21695,7 +21695,7 @@
           </a:ln>
           <a:extLst>
             <a:ext uri="{909E8E84-426E-40dd-AFC4-6F175D3DCCD1}">
-              <a14:hiddenFill xmlns="" xmlns:a14="http://schemas.microsoft.com/office/drawing/2010/main">
+              <a14:hiddenFill xmlns:a14="http://schemas.microsoft.com/office/drawing/2010/main" xmlns="">
                 <a:solidFill>
                   <a:srgbClr val="FFFFFF"/>
                 </a:solidFill>
@@ -21771,7 +21771,7 @@
           </a:ln>
           <a:extLst>
             <a:ext uri="{909E8E84-426E-40dd-AFC4-6F175D3DCCD1}">
-              <a14:hiddenFill xmlns="" xmlns:a14="http://schemas.microsoft.com/office/drawing/2010/main">
+              <a14:hiddenFill xmlns:a14="http://schemas.microsoft.com/office/drawing/2010/main" xmlns="">
                 <a:solidFill>
                   <a:srgbClr val="FFFFFF"/>
                 </a:solidFill>
@@ -21847,7 +21847,7 @@
           </a:ln>
           <a:extLst>
             <a:ext uri="{909E8E84-426E-40dd-AFC4-6F175D3DCCD1}">
-              <a14:hiddenFill xmlns="" xmlns:a14="http://schemas.microsoft.com/office/drawing/2010/main">
+              <a14:hiddenFill xmlns:a14="http://schemas.microsoft.com/office/drawing/2010/main" xmlns="">
                 <a:solidFill>
                   <a:srgbClr val="FFFFFF"/>
                 </a:solidFill>
@@ -22558,14 +22558,14 @@
           </a:ln>
           <a:extLst>
             <a:ext uri="{909E8E84-426E-40dd-AFC4-6F175D3DCCD1}">
-              <a14:hiddenFill xmlns="" xmlns:a14="http://schemas.microsoft.com/office/drawing/2010/main">
+              <a14:hiddenFill xmlns:a14="http://schemas.microsoft.com/office/drawing/2010/main" xmlns="">
                 <a:solidFill>
                   <a:srgbClr val="FFFFFF"/>
                 </a:solidFill>
               </a14:hiddenFill>
             </a:ext>
             <a:ext uri="{91240B29-F687-4f45-9708-019B960494DF}">
-              <a14:hiddenLine xmlns="" xmlns:a14="http://schemas.microsoft.com/office/drawing/2010/main" w="9525">
+              <a14:hiddenLine xmlns:a14="http://schemas.microsoft.com/office/drawing/2010/main" xmlns="" w="9525">
                 <a:solidFill>
                   <a:srgbClr val="000000"/>
                 </a:solidFill>
